--- a/2 Baze de date/01_Instalare si operatiuni elementare in PostgreSQL.pptx
+++ b/2 Baze de date/01_Instalare si operatiuni elementare in PostgreSQL.pptx
@@ -366,12 +366,12 @@
   <pc:docChgLst>
     <pc:chgData name="Marin Fotache" userId="9233cd031198ef03" providerId="LiveId" clId="{3FD6BD0A-BC74-7F40-B2D5-F198925F8CB6}"/>
     <pc:docChg chg="undo custSel modSld">
-      <pc:chgData name="Marin Fotache" userId="9233cd031198ef03" providerId="LiveId" clId="{3FD6BD0A-BC74-7F40-B2D5-F198925F8CB6}" dt="2023-05-19T07:42:24.028" v="150" actId="27636"/>
+      <pc:chgData name="Marin Fotache" userId="9233cd031198ef03" providerId="LiveId" clId="{3FD6BD0A-BC74-7F40-B2D5-F198925F8CB6}" dt="2023-05-19T07:50:13.634" v="235" actId="255"/>
       <pc:docMkLst>
         <pc:docMk/>
       </pc:docMkLst>
       <pc:sldChg chg="addSp delSp modSp mod">
-        <pc:chgData name="Marin Fotache" userId="9233cd031198ef03" providerId="LiveId" clId="{3FD6BD0A-BC74-7F40-B2D5-F198925F8CB6}" dt="2023-05-19T07:31:42.257" v="50" actId="1036"/>
+        <pc:chgData name="Marin Fotache" userId="9233cd031198ef03" providerId="LiveId" clId="{3FD6BD0A-BC74-7F40-B2D5-F198925F8CB6}" dt="2023-05-19T07:50:13.634" v="235" actId="255"/>
         <pc:sldMkLst>
           <pc:docMk/>
           <pc:sldMk cId="0" sldId="256"/>
@@ -390,6 +390,14 @@
             <pc:docMk/>
             <pc:sldMk cId="0" sldId="256"/>
             <ac:spMk id="10" creationId="{18AE72AD-5AB7-9EB4-2775-4AD6E09612B2}"/>
+          </ac:spMkLst>
+        </pc:spChg>
+        <pc:spChg chg="mod">
+          <ac:chgData name="Marin Fotache" userId="9233cd031198ef03" providerId="LiveId" clId="{3FD6BD0A-BC74-7F40-B2D5-F198925F8CB6}" dt="2023-05-19T07:50:13.634" v="235" actId="255"/>
+          <ac:spMkLst>
+            <pc:docMk/>
+            <pc:sldMk cId="0" sldId="256"/>
+            <ac:spMk id="2050" creationId="{00000000-0000-0000-0000-000000000000}"/>
           </ac:spMkLst>
         </pc:spChg>
         <pc:grpChg chg="add mod">
@@ -4824,8 +4832,8 @@
         </p:nvSpPr>
         <p:spPr>
           <a:xfrm>
-            <a:off x="762000" y="2057400"/>
-            <a:ext cx="8458200" cy="2209800"/>
+            <a:off x="762000" y="2057399"/>
+            <a:ext cx="8458200" cy="2514601"/>
           </a:xfrm>
         </p:spPr>
         <p:txBody>
@@ -4838,14 +4846,94 @@
               <a:defRPr/>
             </a:pPr>
             <a:r>
-              <a:rPr lang="en-US" sz="5400" dirty="0">
+              <a:rPr lang="en-US" sz="4400" dirty="0" err="1">
                 <a:latin typeface="American Typewriter" charset="0"/>
                 <a:ea typeface="American Typewriter" charset="0"/>
                 <a:cs typeface="American Typewriter" charset="0"/>
               </a:rPr>
-              <a:t>Baze de date</a:t>
-            </a:r>
-            <a:endParaRPr sz="5400" dirty="0">
+              <a:t>Introducere</a:t>
+            </a:r>
+            <a:r>
+              <a:rPr lang="en-US" sz="4400" dirty="0">
+                <a:latin typeface="American Typewriter" charset="0"/>
+                <a:ea typeface="American Typewriter" charset="0"/>
+                <a:cs typeface="American Typewriter" charset="0"/>
+              </a:rPr>
+              <a:t> </a:t>
+            </a:r>
+            <a:r>
+              <a:rPr lang="en-US" sz="4400" dirty="0" err="1">
+                <a:latin typeface="American Typewriter" charset="0"/>
+                <a:ea typeface="American Typewriter" charset="0"/>
+                <a:cs typeface="American Typewriter" charset="0"/>
+              </a:rPr>
+              <a:t>în</a:t>
+            </a:r>
+            <a:r>
+              <a:rPr lang="en-US" sz="4400" dirty="0">
+                <a:latin typeface="American Typewriter" charset="0"/>
+                <a:ea typeface="American Typewriter" charset="0"/>
+                <a:cs typeface="American Typewriter" charset="0"/>
+              </a:rPr>
+              <a:t> </a:t>
+            </a:r>
+            <a:r>
+              <a:rPr lang="en-US" sz="4400" dirty="0" err="1">
+                <a:latin typeface="American Typewriter" charset="0"/>
+                <a:ea typeface="American Typewriter" charset="0"/>
+                <a:cs typeface="American Typewriter" charset="0"/>
+              </a:rPr>
+              <a:t>analiza</a:t>
+            </a:r>
+            <a:r>
+              <a:rPr lang="en-US" sz="4400" dirty="0">
+                <a:latin typeface="American Typewriter" charset="0"/>
+                <a:ea typeface="American Typewriter" charset="0"/>
+                <a:cs typeface="American Typewriter" charset="0"/>
+              </a:rPr>
+              <a:t> </a:t>
+            </a:r>
+            <a:r>
+              <a:rPr lang="en-US" sz="4400" dirty="0" err="1">
+                <a:latin typeface="American Typewriter" charset="0"/>
+                <a:ea typeface="American Typewriter" charset="0"/>
+                <a:cs typeface="American Typewriter" charset="0"/>
+              </a:rPr>
+              <a:t>datelor</a:t>
+            </a:r>
+            <a:r>
+              <a:rPr lang="en-US" sz="4400" dirty="0">
+                <a:latin typeface="American Typewriter" charset="0"/>
+                <a:ea typeface="American Typewriter" charset="0"/>
+                <a:cs typeface="American Typewriter" charset="0"/>
+              </a:rPr>
+              <a:t> de </a:t>
+            </a:r>
+            <a:r>
+              <a:rPr lang="en-US" sz="4400" dirty="0" err="1">
+                <a:latin typeface="American Typewriter" charset="0"/>
+                <a:ea typeface="American Typewriter" charset="0"/>
+                <a:cs typeface="American Typewriter" charset="0"/>
+              </a:rPr>
+              <a:t>mari</a:t>
+            </a:r>
+            <a:r>
+              <a:rPr lang="en-US" sz="4400" dirty="0">
+                <a:latin typeface="American Typewriter" charset="0"/>
+                <a:ea typeface="American Typewriter" charset="0"/>
+                <a:cs typeface="American Typewriter" charset="0"/>
+              </a:rPr>
+              <a:t> </a:t>
+            </a:r>
+            <a:r>
+              <a:rPr lang="en-US" sz="4400" dirty="0" err="1">
+                <a:latin typeface="American Typewriter" charset="0"/>
+                <a:ea typeface="American Typewriter" charset="0"/>
+                <a:cs typeface="American Typewriter" charset="0"/>
+              </a:rPr>
+              <a:t>dimensiuni</a:t>
+            </a:r>
+            <a:endParaRPr sz="4400" dirty="0">
               <a:latin typeface="American Typewriter" charset="0"/>
               <a:ea typeface="American Typewriter" charset="0"/>
               <a:cs typeface="American Typewriter" charset="0"/>
